--- a/docs/plotterr.pptx
+++ b/docs/plotterr.pptx
@@ -7,6 +7,7 @@
   <p:sldIdLst>
     <p:sldId id="291" r:id="rId2"/>
     <p:sldId id="293" r:id="rId3"/>
+    <p:sldId id="294" r:id="rId4"/>
   </p:sldIdLst>
   <p:sldSz cx="12192000" cy="6858000"/>
   <p:notesSz cx="6858000" cy="9144000"/>
@@ -6390,6 +6391,1399 @@
 </p:sld>
 </file>
 
+<file path=ppt/slides/slide3.xml><?xml version="1.0" encoding="utf-8"?>
+<p:sld xmlns:a="http://schemas.openxmlformats.org/drawingml/2006/main" xmlns:r="http://schemas.openxmlformats.org/officeDocument/2006/relationships" xmlns:p="http://schemas.openxmlformats.org/presentationml/2006/main">
+  <p:cSld>
+    <p:spTree>
+      <p:nvGrpSpPr>
+        <p:cNvPr id="1" name=""/>
+        <p:cNvGrpSpPr/>
+        <p:nvPr/>
+      </p:nvGrpSpPr>
+      <p:grpSpPr>
+        <a:xfrm>
+          <a:off x="0" y="0"/>
+          <a:ext cx="0" cy="0"/>
+          <a:chOff x="0" y="0"/>
+          <a:chExt cx="0" cy="0"/>
+        </a:xfrm>
+      </p:grpSpPr>
+      <p:sp>
+        <p:nvSpPr>
+          <p:cNvPr id="4" name="圓角矩形 3">
+            <a:extLst>
+              <a:ext uri="{FF2B5EF4-FFF2-40B4-BE49-F238E27FC236}">
+                <a16:creationId xmlns:a16="http://schemas.microsoft.com/office/drawing/2014/main" id="{6CC940C4-112B-D29D-6EC3-F240EFC042E7}"/>
+              </a:ext>
+            </a:extLst>
+          </p:cNvPr>
+          <p:cNvSpPr/>
+          <p:nvPr/>
+        </p:nvSpPr>
+        <p:spPr>
+          <a:xfrm>
+            <a:off x="3276616" y="2389694"/>
+            <a:ext cx="8424468" cy="2702741"/>
+          </a:xfrm>
+          <a:prstGeom prst="roundRect">
+            <a:avLst/>
+          </a:prstGeom>
+          <a:solidFill>
+            <a:schemeClr val="bg1"/>
+          </a:solidFill>
+          <a:ln w="28575">
+            <a:solidFill>
+              <a:schemeClr val="tx1"/>
+            </a:solidFill>
+          </a:ln>
+        </p:spPr>
+        <p:style>
+          <a:lnRef idx="2">
+            <a:schemeClr val="accent1">
+              <a:shade val="50000"/>
+            </a:schemeClr>
+          </a:lnRef>
+          <a:fillRef idx="1">
+            <a:schemeClr val="accent1"/>
+          </a:fillRef>
+          <a:effectRef idx="0">
+            <a:schemeClr val="accent1"/>
+          </a:effectRef>
+          <a:fontRef idx="minor">
+            <a:schemeClr val="lt1"/>
+          </a:fontRef>
+        </p:style>
+        <p:txBody>
+          <a:bodyPr rtlCol="0" anchor="ctr"/>
+          <a:lstStyle/>
+          <a:p>
+            <a:pPr algn="ctr"/>
+            <a:endParaRPr lang="zh-TW" altLang="en-US">
+              <a:solidFill>
+                <a:schemeClr val="tx1"/>
+              </a:solidFill>
+            </a:endParaRPr>
+          </a:p>
+        </p:txBody>
+      </p:sp>
+      <p:sp>
+        <p:nvSpPr>
+          <p:cNvPr id="6" name="圓角矩形 5">
+            <a:extLst>
+              <a:ext uri="{FF2B5EF4-FFF2-40B4-BE49-F238E27FC236}">
+                <a16:creationId xmlns:a16="http://schemas.microsoft.com/office/drawing/2014/main" id="{B31AC892-0FBC-348D-2779-AE21EB3B7512}"/>
+              </a:ext>
+            </a:extLst>
+          </p:cNvPr>
+          <p:cNvSpPr/>
+          <p:nvPr/>
+        </p:nvSpPr>
+        <p:spPr>
+          <a:xfrm>
+            <a:off x="9555978" y="2881283"/>
+            <a:ext cx="1831128" cy="1876277"/>
+          </a:xfrm>
+          <a:prstGeom prst="roundRect">
+            <a:avLst/>
+          </a:prstGeom>
+          <a:solidFill>
+            <a:schemeClr val="tx1"/>
+          </a:solidFill>
+          <a:ln w="28575">
+            <a:solidFill>
+              <a:schemeClr val="tx1"/>
+            </a:solidFill>
+          </a:ln>
+        </p:spPr>
+        <p:style>
+          <a:lnRef idx="2">
+            <a:schemeClr val="accent1">
+              <a:shade val="50000"/>
+            </a:schemeClr>
+          </a:lnRef>
+          <a:fillRef idx="1">
+            <a:schemeClr val="accent1"/>
+          </a:fillRef>
+          <a:effectRef idx="0">
+            <a:schemeClr val="accent1"/>
+          </a:effectRef>
+          <a:fontRef idx="minor">
+            <a:schemeClr val="lt1"/>
+          </a:fontRef>
+        </p:style>
+        <p:txBody>
+          <a:bodyPr rtlCol="0" anchor="ctr"/>
+          <a:lstStyle/>
+          <a:p>
+            <a:pPr algn="ctr"/>
+            <a:r>
+              <a:rPr lang="en-US" altLang="zh-TW" b="1" dirty="0">
+                <a:solidFill>
+                  <a:schemeClr val="bg1"/>
+                </a:solidFill>
+                <a:latin typeface="Times New Roman" panose="02020603050405020304" pitchFamily="18" charset="0"/>
+                <a:cs typeface="Times New Roman" panose="02020603050405020304" pitchFamily="18" charset="0"/>
+              </a:rPr>
+              <a:t>Program </a:t>
+            </a:r>
+            <a:r>
+              <a:rPr lang="en-US" altLang="zh-TW" b="1" dirty="0" err="1">
+                <a:solidFill>
+                  <a:schemeClr val="bg1"/>
+                </a:solidFill>
+                <a:latin typeface="Times New Roman" panose="02020603050405020304" pitchFamily="18" charset="0"/>
+                <a:cs typeface="Times New Roman" panose="02020603050405020304" pitchFamily="18" charset="0"/>
+              </a:rPr>
+              <a:t>Sythesizers</a:t>
+            </a:r>
+            <a:endParaRPr lang="zh-TW" altLang="en-US" b="1" dirty="0">
+              <a:solidFill>
+                <a:schemeClr val="bg1"/>
+              </a:solidFill>
+              <a:latin typeface="Times New Roman" panose="02020603050405020304" pitchFamily="18" charset="0"/>
+              <a:cs typeface="Times New Roman" panose="02020603050405020304" pitchFamily="18" charset="0"/>
+            </a:endParaRPr>
+          </a:p>
+        </p:txBody>
+      </p:sp>
+      <p:sp>
+        <p:nvSpPr>
+          <p:cNvPr id="8" name="圓角矩形 7">
+            <a:extLst>
+              <a:ext uri="{FF2B5EF4-FFF2-40B4-BE49-F238E27FC236}">
+                <a16:creationId xmlns:a16="http://schemas.microsoft.com/office/drawing/2014/main" id="{4C365F8A-7C6B-566B-D589-F32A1E48F1AA}"/>
+              </a:ext>
+            </a:extLst>
+          </p:cNvPr>
+          <p:cNvSpPr/>
+          <p:nvPr/>
+        </p:nvSpPr>
+        <p:spPr>
+          <a:xfrm>
+            <a:off x="169550" y="3491183"/>
+            <a:ext cx="1225363" cy="563608"/>
+          </a:xfrm>
+          <a:prstGeom prst="roundRect">
+            <a:avLst/>
+          </a:prstGeom>
+          <a:solidFill>
+            <a:srgbClr val="9A43E2"/>
+          </a:solidFill>
+          <a:ln>
+            <a:solidFill>
+              <a:srgbClr val="913ED1"/>
+            </a:solidFill>
+          </a:ln>
+        </p:spPr>
+        <p:style>
+          <a:lnRef idx="2">
+            <a:schemeClr val="accent1">
+              <a:shade val="50000"/>
+            </a:schemeClr>
+          </a:lnRef>
+          <a:fillRef idx="1">
+            <a:schemeClr val="accent1"/>
+          </a:fillRef>
+          <a:effectRef idx="0">
+            <a:schemeClr val="accent1"/>
+          </a:effectRef>
+          <a:fontRef idx="minor">
+            <a:schemeClr val="lt1"/>
+          </a:fontRef>
+        </p:style>
+        <p:txBody>
+          <a:bodyPr rtlCol="0" anchor="ctr"/>
+          <a:lstStyle/>
+          <a:p>
+            <a:pPr algn="ctr"/>
+            <a:r>
+              <a:rPr lang="en-US" altLang="zh-TW" sz="1600" b="1" dirty="0">
+                <a:latin typeface="Arial" panose="020B0604020202020204" pitchFamily="34" charset="0"/>
+                <a:cs typeface="Arial" panose="020B0604020202020204" pitchFamily="34" charset="0"/>
+              </a:rPr>
+              <a:t>Html/CSS/JS</a:t>
+            </a:r>
+          </a:p>
+        </p:txBody>
+      </p:sp>
+      <p:sp>
+        <p:nvSpPr>
+          <p:cNvPr id="10" name="文字方塊 9">
+            <a:extLst>
+              <a:ext uri="{FF2B5EF4-FFF2-40B4-BE49-F238E27FC236}">
+                <a16:creationId xmlns:a16="http://schemas.microsoft.com/office/drawing/2014/main" id="{053161B8-2C49-736E-C542-CB24862E025B}"/>
+              </a:ext>
+            </a:extLst>
+          </p:cNvPr>
+          <p:cNvSpPr txBox="1"/>
+          <p:nvPr/>
+        </p:nvSpPr>
+        <p:spPr>
+          <a:xfrm>
+            <a:off x="9457260" y="2514724"/>
+            <a:ext cx="2067659" cy="338554"/>
+          </a:xfrm>
+          <a:prstGeom prst="rect">
+            <a:avLst/>
+          </a:prstGeom>
+          <a:noFill/>
+        </p:spPr>
+        <p:txBody>
+          <a:bodyPr wrap="square" rtlCol="0">
+            <a:spAutoFit/>
+          </a:bodyPr>
+          <a:lstStyle/>
+          <a:p>
+            <a:r>
+              <a:rPr lang="en-US" altLang="zh-TW" sz="1600" b="1" dirty="0" err="1">
+                <a:latin typeface="Arial" panose="020B0604020202020204" pitchFamily="34" charset="0"/>
+                <a:cs typeface="Arial" panose="020B0604020202020204" pitchFamily="34" charset="0"/>
+              </a:rPr>
+              <a:t>Comcom</a:t>
+            </a:r>
+            <a:r>
+              <a:rPr lang="en-US" altLang="zh-TW" sz="1600" b="1" dirty="0">
+                <a:latin typeface="Arial" panose="020B0604020202020204" pitchFamily="34" charset="0"/>
+                <a:cs typeface="Arial" panose="020B0604020202020204" pitchFamily="34" charset="0"/>
+              </a:rPr>
+              <a:t> Backend</a:t>
+            </a:r>
+            <a:endParaRPr lang="zh-TW" altLang="en-US" sz="1600" b="1" dirty="0">
+              <a:latin typeface="Arial" panose="020B0604020202020204" pitchFamily="34" charset="0"/>
+              <a:cs typeface="Arial" panose="020B0604020202020204" pitchFamily="34" charset="0"/>
+            </a:endParaRPr>
+          </a:p>
+        </p:txBody>
+      </p:sp>
+      <p:cxnSp>
+        <p:nvCxnSpPr>
+          <p:cNvPr id="11" name="直線單箭頭接點 102">
+            <a:extLst>
+              <a:ext uri="{FF2B5EF4-FFF2-40B4-BE49-F238E27FC236}">
+                <a16:creationId xmlns:a16="http://schemas.microsoft.com/office/drawing/2014/main" id="{C32E925C-29E1-A51A-8336-334990887A2F}"/>
+              </a:ext>
+            </a:extLst>
+          </p:cNvPr>
+          <p:cNvCxnSpPr>
+            <a:cxnSpLocks/>
+          </p:cNvCxnSpPr>
+          <p:nvPr/>
+        </p:nvCxnSpPr>
+        <p:spPr>
+          <a:xfrm>
+            <a:off x="1394913" y="3732659"/>
+            <a:ext cx="1391911" cy="0"/>
+          </a:xfrm>
+          <a:prstGeom prst="straightConnector1">
+            <a:avLst/>
+          </a:prstGeom>
+          <a:ln w="25400">
+            <a:solidFill>
+              <a:schemeClr val="tx1"/>
+            </a:solidFill>
+            <a:tailEnd type="triangle"/>
+          </a:ln>
+        </p:spPr>
+        <p:style>
+          <a:lnRef idx="1">
+            <a:schemeClr val="accent1"/>
+          </a:lnRef>
+          <a:fillRef idx="0">
+            <a:schemeClr val="accent1"/>
+          </a:fillRef>
+          <a:effectRef idx="0">
+            <a:schemeClr val="accent1"/>
+          </a:effectRef>
+          <a:fontRef idx="minor">
+            <a:schemeClr val="tx1"/>
+          </a:fontRef>
+        </p:style>
+      </p:cxnSp>
+      <p:sp>
+        <p:nvSpPr>
+          <p:cNvPr id="12" name="圓角矩形 11">
+            <a:extLst>
+              <a:ext uri="{FF2B5EF4-FFF2-40B4-BE49-F238E27FC236}">
+                <a16:creationId xmlns:a16="http://schemas.microsoft.com/office/drawing/2014/main" id="{A2993A1B-4BB9-FC84-5F35-09BA981BCB06}"/>
+              </a:ext>
+            </a:extLst>
+          </p:cNvPr>
+          <p:cNvSpPr/>
+          <p:nvPr/>
+        </p:nvSpPr>
+        <p:spPr>
+          <a:xfrm>
+            <a:off x="2786824" y="3075800"/>
+            <a:ext cx="1549416" cy="1506379"/>
+          </a:xfrm>
+          <a:prstGeom prst="roundRect">
+            <a:avLst/>
+          </a:prstGeom>
+          <a:solidFill>
+            <a:srgbClr val="FF85FF"/>
+          </a:solidFill>
+          <a:ln w="19050">
+            <a:solidFill>
+              <a:srgbClr val="FF85FF"/>
+            </a:solidFill>
+          </a:ln>
+        </p:spPr>
+        <p:style>
+          <a:lnRef idx="2">
+            <a:schemeClr val="accent1">
+              <a:shade val="50000"/>
+            </a:schemeClr>
+          </a:lnRef>
+          <a:fillRef idx="1">
+            <a:schemeClr val="accent1"/>
+          </a:fillRef>
+          <a:effectRef idx="0">
+            <a:schemeClr val="accent1"/>
+          </a:effectRef>
+          <a:fontRef idx="minor">
+            <a:schemeClr val="lt1"/>
+          </a:fontRef>
+        </p:style>
+        <p:txBody>
+          <a:bodyPr rtlCol="0" anchor="ctr"/>
+          <a:lstStyle/>
+          <a:p>
+            <a:pPr algn="ctr"/>
+            <a:r>
+              <a:rPr lang="en-US" altLang="zh-TW" sz="1600" b="1" dirty="0">
+                <a:solidFill>
+                  <a:schemeClr val="bg1"/>
+                </a:solidFill>
+                <a:latin typeface="Arial" panose="020B0604020202020204" pitchFamily="34" charset="0"/>
+                <a:cs typeface="Arial" panose="020B0604020202020204" pitchFamily="34" charset="0"/>
+              </a:rPr>
+              <a:t>Cache, Encryption and DNS</a:t>
+            </a:r>
+          </a:p>
+        </p:txBody>
+      </p:sp>
+      <p:cxnSp>
+        <p:nvCxnSpPr>
+          <p:cNvPr id="13" name="直線單箭頭接點 102">
+            <a:extLst>
+              <a:ext uri="{FF2B5EF4-FFF2-40B4-BE49-F238E27FC236}">
+                <a16:creationId xmlns:a16="http://schemas.microsoft.com/office/drawing/2014/main" id="{728B02CD-50CA-526D-F56A-2D6775884CCB}"/>
+              </a:ext>
+            </a:extLst>
+          </p:cNvPr>
+          <p:cNvCxnSpPr>
+            <a:cxnSpLocks/>
+          </p:cNvCxnSpPr>
+          <p:nvPr/>
+        </p:nvCxnSpPr>
+        <p:spPr>
+          <a:xfrm flipH="1" flipV="1">
+            <a:off x="1378885" y="3913732"/>
+            <a:ext cx="1360814" cy="11880"/>
+          </a:xfrm>
+          <a:prstGeom prst="straightConnector1">
+            <a:avLst/>
+          </a:prstGeom>
+          <a:ln w="25400">
+            <a:solidFill>
+              <a:schemeClr val="tx1"/>
+            </a:solidFill>
+            <a:tailEnd type="triangle"/>
+          </a:ln>
+        </p:spPr>
+        <p:style>
+          <a:lnRef idx="1">
+            <a:schemeClr val="accent1"/>
+          </a:lnRef>
+          <a:fillRef idx="0">
+            <a:schemeClr val="accent1"/>
+          </a:fillRef>
+          <a:effectRef idx="0">
+            <a:schemeClr val="accent1"/>
+          </a:effectRef>
+          <a:fontRef idx="minor">
+            <a:schemeClr val="tx1"/>
+          </a:fontRef>
+        </p:style>
+      </p:cxnSp>
+      <p:sp>
+        <p:nvSpPr>
+          <p:cNvPr id="15" name="文字方塊 14">
+            <a:extLst>
+              <a:ext uri="{FF2B5EF4-FFF2-40B4-BE49-F238E27FC236}">
+                <a16:creationId xmlns:a16="http://schemas.microsoft.com/office/drawing/2014/main" id="{279A65BF-5F81-68CB-03B0-0616DBCB2F9D}"/>
+              </a:ext>
+            </a:extLst>
+          </p:cNvPr>
+          <p:cNvSpPr txBox="1"/>
+          <p:nvPr/>
+        </p:nvSpPr>
+        <p:spPr>
+          <a:xfrm>
+            <a:off x="293540" y="3114898"/>
+            <a:ext cx="1068149" cy="338554"/>
+          </a:xfrm>
+          <a:prstGeom prst="rect">
+            <a:avLst/>
+          </a:prstGeom>
+          <a:noFill/>
+        </p:spPr>
+        <p:txBody>
+          <a:bodyPr wrap="square" rtlCol="0">
+            <a:spAutoFit/>
+          </a:bodyPr>
+          <a:lstStyle/>
+          <a:p>
+            <a:r>
+              <a:rPr lang="en-US" altLang="zh-TW" sz="1600" b="1" dirty="0">
+                <a:solidFill>
+                  <a:srgbClr val="913ED1"/>
+                </a:solidFill>
+                <a:latin typeface="Arial" panose="020B0604020202020204" pitchFamily="34" charset="0"/>
+                <a:cs typeface="Arial" panose="020B0604020202020204" pitchFamily="34" charset="0"/>
+              </a:rPr>
+              <a:t>Users’ UI</a:t>
+            </a:r>
+            <a:endParaRPr lang="zh-TW" altLang="en-US" sz="1600" b="1" dirty="0">
+              <a:solidFill>
+                <a:srgbClr val="913ED1"/>
+              </a:solidFill>
+              <a:latin typeface="Arial" panose="020B0604020202020204" pitchFamily="34" charset="0"/>
+              <a:cs typeface="Arial" panose="020B0604020202020204" pitchFamily="34" charset="0"/>
+            </a:endParaRPr>
+          </a:p>
+        </p:txBody>
+      </p:sp>
+      <p:sp>
+        <p:nvSpPr>
+          <p:cNvPr id="16" name="圓角矩形 15">
+            <a:extLst>
+              <a:ext uri="{FF2B5EF4-FFF2-40B4-BE49-F238E27FC236}">
+                <a16:creationId xmlns:a16="http://schemas.microsoft.com/office/drawing/2014/main" id="{53BAB78A-F08B-EBE7-B8B5-26AAA077CDE1}"/>
+              </a:ext>
+            </a:extLst>
+          </p:cNvPr>
+          <p:cNvSpPr/>
+          <p:nvPr/>
+        </p:nvSpPr>
+        <p:spPr>
+          <a:xfrm>
+            <a:off x="6040710" y="2875294"/>
+            <a:ext cx="1824926" cy="1876277"/>
+          </a:xfrm>
+          <a:prstGeom prst="roundRect">
+            <a:avLst/>
+          </a:prstGeom>
+          <a:solidFill>
+            <a:schemeClr val="tx1"/>
+          </a:solidFill>
+          <a:ln w="28575">
+            <a:solidFill>
+              <a:schemeClr val="tx1"/>
+            </a:solidFill>
+          </a:ln>
+        </p:spPr>
+        <p:style>
+          <a:lnRef idx="2">
+            <a:schemeClr val="accent1">
+              <a:shade val="50000"/>
+            </a:schemeClr>
+          </a:lnRef>
+          <a:fillRef idx="1">
+            <a:schemeClr val="accent1"/>
+          </a:fillRef>
+          <a:effectRef idx="0">
+            <a:schemeClr val="accent1"/>
+          </a:effectRef>
+          <a:fontRef idx="minor">
+            <a:schemeClr val="lt1"/>
+          </a:fontRef>
+        </p:style>
+        <p:txBody>
+          <a:bodyPr rtlCol="0" anchor="ctr"/>
+          <a:lstStyle/>
+          <a:p>
+            <a:pPr algn="ctr"/>
+            <a:r>
+              <a:rPr lang="en-US" altLang="zh-TW" b="1" dirty="0">
+                <a:solidFill>
+                  <a:schemeClr val="bg1"/>
+                </a:solidFill>
+                <a:latin typeface="Times New Roman" panose="02020603050405020304" pitchFamily="18" charset="0"/>
+                <a:cs typeface="Times New Roman" panose="02020603050405020304" pitchFamily="18" charset="0"/>
+              </a:rPr>
+              <a:t>Frontend  Component Rendering</a:t>
+            </a:r>
+            <a:endParaRPr lang="zh-TW" altLang="en-US" b="1" dirty="0">
+              <a:solidFill>
+                <a:schemeClr val="tx1"/>
+              </a:solidFill>
+              <a:latin typeface="Times New Roman" panose="02020603050405020304" pitchFamily="18" charset="0"/>
+              <a:cs typeface="Times New Roman" panose="02020603050405020304" pitchFamily="18" charset="0"/>
+            </a:endParaRPr>
+          </a:p>
+        </p:txBody>
+      </p:sp>
+      <p:sp>
+        <p:nvSpPr>
+          <p:cNvPr id="19" name="文字方塊 18">
+            <a:extLst>
+              <a:ext uri="{FF2B5EF4-FFF2-40B4-BE49-F238E27FC236}">
+                <a16:creationId xmlns:a16="http://schemas.microsoft.com/office/drawing/2014/main" id="{A4AEEFD8-29FA-8A77-AEF9-7C402A443552}"/>
+              </a:ext>
+            </a:extLst>
+          </p:cNvPr>
+          <p:cNvSpPr txBox="1"/>
+          <p:nvPr/>
+        </p:nvSpPr>
+        <p:spPr>
+          <a:xfrm>
+            <a:off x="5909585" y="2499631"/>
+            <a:ext cx="2067659" cy="338554"/>
+          </a:xfrm>
+          <a:prstGeom prst="rect">
+            <a:avLst/>
+          </a:prstGeom>
+          <a:noFill/>
+        </p:spPr>
+        <p:txBody>
+          <a:bodyPr wrap="square" rtlCol="0">
+            <a:spAutoFit/>
+          </a:bodyPr>
+          <a:lstStyle/>
+          <a:p>
+            <a:r>
+              <a:rPr lang="en-US" altLang="zh-TW" sz="1600" b="1" dirty="0" err="1">
+                <a:latin typeface="Arial" panose="020B0604020202020204" pitchFamily="34" charset="0"/>
+                <a:cs typeface="Arial" panose="020B0604020202020204" pitchFamily="34" charset="0"/>
+              </a:rPr>
+              <a:t>Comcom</a:t>
+            </a:r>
+            <a:r>
+              <a:rPr lang="en-US" altLang="zh-TW" sz="1600" b="1" dirty="0">
+                <a:latin typeface="Arial" panose="020B0604020202020204" pitchFamily="34" charset="0"/>
+                <a:cs typeface="Arial" panose="020B0604020202020204" pitchFamily="34" charset="0"/>
+              </a:rPr>
+              <a:t> Frontend</a:t>
+            </a:r>
+            <a:endParaRPr lang="zh-TW" altLang="en-US" sz="1600" b="1" dirty="0">
+              <a:latin typeface="Arial" panose="020B0604020202020204" pitchFamily="34" charset="0"/>
+              <a:cs typeface="Arial" panose="020B0604020202020204" pitchFamily="34" charset="0"/>
+            </a:endParaRPr>
+          </a:p>
+        </p:txBody>
+      </p:sp>
+      <p:cxnSp>
+        <p:nvCxnSpPr>
+          <p:cNvPr id="20" name="直線單箭頭接點 102">
+            <a:extLst>
+              <a:ext uri="{FF2B5EF4-FFF2-40B4-BE49-F238E27FC236}">
+                <a16:creationId xmlns:a16="http://schemas.microsoft.com/office/drawing/2014/main" id="{51BE2A09-E25C-263C-F6CB-BB0AF4F2E17B}"/>
+              </a:ext>
+            </a:extLst>
+          </p:cNvPr>
+          <p:cNvCxnSpPr>
+            <a:cxnSpLocks/>
+          </p:cNvCxnSpPr>
+          <p:nvPr/>
+        </p:nvCxnSpPr>
+        <p:spPr>
+          <a:xfrm>
+            <a:off x="7865636" y="3680393"/>
+            <a:ext cx="1690342" cy="0"/>
+          </a:xfrm>
+          <a:prstGeom prst="straightConnector1">
+            <a:avLst/>
+          </a:prstGeom>
+          <a:ln w="25400">
+            <a:solidFill>
+              <a:schemeClr val="tx1"/>
+            </a:solidFill>
+            <a:tailEnd type="triangle"/>
+          </a:ln>
+        </p:spPr>
+        <p:style>
+          <a:lnRef idx="1">
+            <a:schemeClr val="accent1"/>
+          </a:lnRef>
+          <a:fillRef idx="0">
+            <a:schemeClr val="accent1"/>
+          </a:fillRef>
+          <a:effectRef idx="0">
+            <a:schemeClr val="accent1"/>
+          </a:effectRef>
+          <a:fontRef idx="minor">
+            <a:schemeClr val="tx1"/>
+          </a:fontRef>
+        </p:style>
+      </p:cxnSp>
+      <p:cxnSp>
+        <p:nvCxnSpPr>
+          <p:cNvPr id="21" name="直線單箭頭接點 102">
+            <a:extLst>
+              <a:ext uri="{FF2B5EF4-FFF2-40B4-BE49-F238E27FC236}">
+                <a16:creationId xmlns:a16="http://schemas.microsoft.com/office/drawing/2014/main" id="{60AF2911-638C-AF6E-38C2-FD67D94BCEAC}"/>
+              </a:ext>
+            </a:extLst>
+          </p:cNvPr>
+          <p:cNvCxnSpPr>
+            <a:cxnSpLocks/>
+          </p:cNvCxnSpPr>
+          <p:nvPr/>
+        </p:nvCxnSpPr>
+        <p:spPr>
+          <a:xfrm flipH="1">
+            <a:off x="7865636" y="3925612"/>
+            <a:ext cx="1690342" cy="0"/>
+          </a:xfrm>
+          <a:prstGeom prst="straightConnector1">
+            <a:avLst/>
+          </a:prstGeom>
+          <a:ln w="25400">
+            <a:solidFill>
+              <a:schemeClr val="tx1"/>
+            </a:solidFill>
+            <a:tailEnd type="triangle"/>
+          </a:ln>
+        </p:spPr>
+        <p:style>
+          <a:lnRef idx="1">
+            <a:schemeClr val="accent1"/>
+          </a:lnRef>
+          <a:fillRef idx="0">
+            <a:schemeClr val="accent1"/>
+          </a:fillRef>
+          <a:effectRef idx="0">
+            <a:schemeClr val="accent1"/>
+          </a:effectRef>
+          <a:fontRef idx="minor">
+            <a:schemeClr val="tx1"/>
+          </a:fontRef>
+        </p:style>
+      </p:cxnSp>
+      <p:sp>
+        <p:nvSpPr>
+          <p:cNvPr id="22" name="圓角矩形 21">
+            <a:extLst>
+              <a:ext uri="{FF2B5EF4-FFF2-40B4-BE49-F238E27FC236}">
+                <a16:creationId xmlns:a16="http://schemas.microsoft.com/office/drawing/2014/main" id="{1FBB5C74-18A2-210F-EB6A-63A5A28798A0}"/>
+              </a:ext>
+            </a:extLst>
+          </p:cNvPr>
+          <p:cNvSpPr/>
+          <p:nvPr/>
+        </p:nvSpPr>
+        <p:spPr>
+          <a:xfrm>
+            <a:off x="3383263" y="5075857"/>
+            <a:ext cx="8211173" cy="482479"/>
+          </a:xfrm>
+          <a:prstGeom prst="roundRect">
+            <a:avLst/>
+          </a:prstGeom>
+          <a:solidFill>
+            <a:srgbClr val="FFC000"/>
+          </a:solidFill>
+          <a:ln>
+            <a:solidFill>
+              <a:srgbClr val="FFC000"/>
+            </a:solidFill>
+          </a:ln>
+        </p:spPr>
+        <p:style>
+          <a:lnRef idx="2">
+            <a:schemeClr val="accent1">
+              <a:shade val="50000"/>
+            </a:schemeClr>
+          </a:lnRef>
+          <a:fillRef idx="1">
+            <a:schemeClr val="accent1"/>
+          </a:fillRef>
+          <a:effectRef idx="0">
+            <a:schemeClr val="accent1"/>
+          </a:effectRef>
+          <a:fontRef idx="minor">
+            <a:schemeClr val="lt1"/>
+          </a:fontRef>
+        </p:style>
+        <p:txBody>
+          <a:bodyPr rtlCol="0" anchor="ctr"/>
+          <a:lstStyle/>
+          <a:p>
+            <a:pPr algn="ctr"/>
+            <a:r>
+              <a:rPr lang="en-US" altLang="zh-TW" sz="1600" b="1" dirty="0">
+                <a:solidFill>
+                  <a:schemeClr val="bg1"/>
+                </a:solidFill>
+                <a:latin typeface="Arial" panose="020B0604020202020204" pitchFamily="34" charset="0"/>
+                <a:cs typeface="Arial" panose="020B0604020202020204" pitchFamily="34" charset="0"/>
+              </a:rPr>
+              <a:t>AWS CLI</a:t>
+            </a:r>
+          </a:p>
+        </p:txBody>
+      </p:sp>
+      <p:sp>
+        <p:nvSpPr>
+          <p:cNvPr id="23" name="文字方塊 22">
+            <a:extLst>
+              <a:ext uri="{FF2B5EF4-FFF2-40B4-BE49-F238E27FC236}">
+                <a16:creationId xmlns:a16="http://schemas.microsoft.com/office/drawing/2014/main" id="{10B58D4D-71EF-B254-CF06-9E070394B37A}"/>
+              </a:ext>
+            </a:extLst>
+          </p:cNvPr>
+          <p:cNvSpPr txBox="1"/>
+          <p:nvPr/>
+        </p:nvSpPr>
+        <p:spPr>
+          <a:xfrm>
+            <a:off x="7590100" y="6066295"/>
+            <a:ext cx="829005" cy="338554"/>
+          </a:xfrm>
+          <a:prstGeom prst="rect">
+            <a:avLst/>
+          </a:prstGeom>
+          <a:noFill/>
+        </p:spPr>
+        <p:txBody>
+          <a:bodyPr wrap="square" rtlCol="0">
+            <a:spAutoFit/>
+          </a:bodyPr>
+          <a:lstStyle/>
+          <a:p>
+            <a:r>
+              <a:rPr lang="en-US" altLang="zh-TW" sz="1600" b="1" dirty="0">
+                <a:latin typeface="Arial" panose="020B0604020202020204" pitchFamily="34" charset="0"/>
+                <a:cs typeface="Arial" panose="020B0604020202020204" pitchFamily="34" charset="0"/>
+              </a:rPr>
+              <a:t>Staffs</a:t>
+            </a:r>
+            <a:endParaRPr lang="zh-TW" altLang="en-US" sz="1600" b="1" dirty="0">
+              <a:latin typeface="Arial" panose="020B0604020202020204" pitchFamily="34" charset="0"/>
+              <a:cs typeface="Arial" panose="020B0604020202020204" pitchFamily="34" charset="0"/>
+            </a:endParaRPr>
+          </a:p>
+        </p:txBody>
+      </p:sp>
+      <p:cxnSp>
+        <p:nvCxnSpPr>
+          <p:cNvPr id="24" name="直線單箭頭接點 102">
+            <a:extLst>
+              <a:ext uri="{FF2B5EF4-FFF2-40B4-BE49-F238E27FC236}">
+                <a16:creationId xmlns:a16="http://schemas.microsoft.com/office/drawing/2014/main" id="{BD88DB23-896A-E700-E868-4550A9BCC7F9}"/>
+              </a:ext>
+            </a:extLst>
+          </p:cNvPr>
+          <p:cNvCxnSpPr>
+            <a:cxnSpLocks/>
+          </p:cNvCxnSpPr>
+          <p:nvPr/>
+        </p:nvCxnSpPr>
+        <p:spPr>
+          <a:xfrm flipV="1">
+            <a:off x="7977244" y="5556670"/>
+            <a:ext cx="0" cy="515274"/>
+          </a:xfrm>
+          <a:prstGeom prst="straightConnector1">
+            <a:avLst/>
+          </a:prstGeom>
+          <a:ln w="25400">
+            <a:solidFill>
+              <a:schemeClr val="tx1"/>
+            </a:solidFill>
+            <a:tailEnd type="triangle"/>
+          </a:ln>
+        </p:spPr>
+        <p:style>
+          <a:lnRef idx="1">
+            <a:schemeClr val="accent1"/>
+          </a:lnRef>
+          <a:fillRef idx="0">
+            <a:schemeClr val="accent1"/>
+          </a:fillRef>
+          <a:effectRef idx="0">
+            <a:schemeClr val="accent1"/>
+          </a:effectRef>
+          <a:fontRef idx="minor">
+            <a:schemeClr val="tx1"/>
+          </a:fontRef>
+        </p:style>
+      </p:cxnSp>
+      <p:cxnSp>
+        <p:nvCxnSpPr>
+          <p:cNvPr id="28" name="直線單箭頭接點 102">
+            <a:extLst>
+              <a:ext uri="{FF2B5EF4-FFF2-40B4-BE49-F238E27FC236}">
+                <a16:creationId xmlns:a16="http://schemas.microsoft.com/office/drawing/2014/main" id="{9E6FA806-D02F-3B6A-7CBF-3CF982581949}"/>
+              </a:ext>
+            </a:extLst>
+          </p:cNvPr>
+          <p:cNvCxnSpPr>
+            <a:cxnSpLocks/>
+          </p:cNvCxnSpPr>
+          <p:nvPr/>
+        </p:nvCxnSpPr>
+        <p:spPr>
+          <a:xfrm flipV="1">
+            <a:off x="6953173" y="4757560"/>
+            <a:ext cx="0" cy="318727"/>
+          </a:xfrm>
+          <a:prstGeom prst="straightConnector1">
+            <a:avLst/>
+          </a:prstGeom>
+          <a:ln w="25400">
+            <a:solidFill>
+              <a:schemeClr val="tx1"/>
+            </a:solidFill>
+            <a:tailEnd type="triangle"/>
+          </a:ln>
+        </p:spPr>
+        <p:style>
+          <a:lnRef idx="1">
+            <a:schemeClr val="accent1"/>
+          </a:lnRef>
+          <a:fillRef idx="0">
+            <a:schemeClr val="accent1"/>
+          </a:fillRef>
+          <a:effectRef idx="0">
+            <a:schemeClr val="accent1"/>
+          </a:effectRef>
+          <a:fontRef idx="minor">
+            <a:schemeClr val="tx1"/>
+          </a:fontRef>
+        </p:style>
+      </p:cxnSp>
+      <p:cxnSp>
+        <p:nvCxnSpPr>
+          <p:cNvPr id="29" name="直線單箭頭接點 102">
+            <a:extLst>
+              <a:ext uri="{FF2B5EF4-FFF2-40B4-BE49-F238E27FC236}">
+                <a16:creationId xmlns:a16="http://schemas.microsoft.com/office/drawing/2014/main" id="{5B19E0DF-7914-4FDC-AF66-7D765F83CACD}"/>
+              </a:ext>
+            </a:extLst>
+          </p:cNvPr>
+          <p:cNvCxnSpPr>
+            <a:cxnSpLocks/>
+          </p:cNvCxnSpPr>
+          <p:nvPr/>
+        </p:nvCxnSpPr>
+        <p:spPr>
+          <a:xfrm flipV="1">
+            <a:off x="10471542" y="4748981"/>
+            <a:ext cx="0" cy="318727"/>
+          </a:xfrm>
+          <a:prstGeom prst="straightConnector1">
+            <a:avLst/>
+          </a:prstGeom>
+          <a:ln w="25400">
+            <a:solidFill>
+              <a:schemeClr val="tx1"/>
+            </a:solidFill>
+            <a:tailEnd type="triangle"/>
+          </a:ln>
+        </p:spPr>
+        <p:style>
+          <a:lnRef idx="1">
+            <a:schemeClr val="accent1"/>
+          </a:lnRef>
+          <a:fillRef idx="0">
+            <a:schemeClr val="accent1"/>
+          </a:fillRef>
+          <a:effectRef idx="0">
+            <a:schemeClr val="accent1"/>
+          </a:effectRef>
+          <a:fontRef idx="minor">
+            <a:schemeClr val="tx1"/>
+          </a:fontRef>
+        </p:style>
+      </p:cxnSp>
+      <p:sp>
+        <p:nvSpPr>
+          <p:cNvPr id="30" name="文字方塊 29">
+            <a:extLst>
+              <a:ext uri="{FF2B5EF4-FFF2-40B4-BE49-F238E27FC236}">
+                <a16:creationId xmlns:a16="http://schemas.microsoft.com/office/drawing/2014/main" id="{2E55648F-9FC3-E012-2698-86E72261C9D3}"/>
+              </a:ext>
+            </a:extLst>
+          </p:cNvPr>
+          <p:cNvSpPr txBox="1"/>
+          <p:nvPr/>
+        </p:nvSpPr>
+        <p:spPr>
+          <a:xfrm>
+            <a:off x="6493015" y="1922646"/>
+            <a:ext cx="2397721" cy="400110"/>
+          </a:xfrm>
+          <a:prstGeom prst="rect">
+            <a:avLst/>
+          </a:prstGeom>
+          <a:noFill/>
+        </p:spPr>
+        <p:txBody>
+          <a:bodyPr wrap="square" rtlCol="0">
+            <a:spAutoFit/>
+          </a:bodyPr>
+          <a:lstStyle/>
+          <a:p>
+            <a:r>
+              <a:rPr lang="en-US" altLang="zh-TW" sz="2000" b="1" dirty="0" err="1">
+                <a:latin typeface="Arial" panose="020B0604020202020204" pitchFamily="34" charset="0"/>
+                <a:cs typeface="Arial" panose="020B0604020202020204" pitchFamily="34" charset="0"/>
+              </a:rPr>
+              <a:t>Comcom</a:t>
+            </a:r>
+            <a:r>
+              <a:rPr lang="en-US" altLang="zh-TW" sz="2000" b="1" dirty="0">
+                <a:latin typeface="Arial" panose="020B0604020202020204" pitchFamily="34" charset="0"/>
+                <a:cs typeface="Arial" panose="020B0604020202020204" pitchFamily="34" charset="0"/>
+              </a:rPr>
+              <a:t> Project</a:t>
+            </a:r>
+            <a:endParaRPr lang="zh-TW" altLang="en-US" sz="2000" b="1" dirty="0">
+              <a:latin typeface="Arial" panose="020B0604020202020204" pitchFamily="34" charset="0"/>
+              <a:cs typeface="Arial" panose="020B0604020202020204" pitchFamily="34" charset="0"/>
+            </a:endParaRPr>
+          </a:p>
+        </p:txBody>
+      </p:sp>
+      <p:cxnSp>
+        <p:nvCxnSpPr>
+          <p:cNvPr id="31" name="直線單箭頭接點 102">
+            <a:extLst>
+              <a:ext uri="{FF2B5EF4-FFF2-40B4-BE49-F238E27FC236}">
+                <a16:creationId xmlns:a16="http://schemas.microsoft.com/office/drawing/2014/main" id="{9CE8B0DE-162D-5A22-4C18-161454D19333}"/>
+              </a:ext>
+            </a:extLst>
+          </p:cNvPr>
+          <p:cNvCxnSpPr>
+            <a:cxnSpLocks/>
+          </p:cNvCxnSpPr>
+          <p:nvPr/>
+        </p:nvCxnSpPr>
+        <p:spPr>
+          <a:xfrm>
+            <a:off x="4333586" y="3691559"/>
+            <a:ext cx="1707124" cy="0"/>
+          </a:xfrm>
+          <a:prstGeom prst="straightConnector1">
+            <a:avLst/>
+          </a:prstGeom>
+          <a:ln w="25400">
+            <a:solidFill>
+              <a:schemeClr val="tx1"/>
+            </a:solidFill>
+            <a:tailEnd type="triangle"/>
+          </a:ln>
+        </p:spPr>
+        <p:style>
+          <a:lnRef idx="1">
+            <a:schemeClr val="accent1"/>
+          </a:lnRef>
+          <a:fillRef idx="0">
+            <a:schemeClr val="accent1"/>
+          </a:fillRef>
+          <a:effectRef idx="0">
+            <a:schemeClr val="accent1"/>
+          </a:effectRef>
+          <a:fontRef idx="minor">
+            <a:schemeClr val="tx1"/>
+          </a:fontRef>
+        </p:style>
+      </p:cxnSp>
+      <p:cxnSp>
+        <p:nvCxnSpPr>
+          <p:cNvPr id="32" name="直線單箭頭接點 102">
+            <a:extLst>
+              <a:ext uri="{FF2B5EF4-FFF2-40B4-BE49-F238E27FC236}">
+                <a16:creationId xmlns:a16="http://schemas.microsoft.com/office/drawing/2014/main" id="{411FEB3A-FDBD-083C-0252-E1775EC3A140}"/>
+              </a:ext>
+            </a:extLst>
+          </p:cNvPr>
+          <p:cNvCxnSpPr>
+            <a:cxnSpLocks/>
+          </p:cNvCxnSpPr>
+          <p:nvPr/>
+        </p:nvCxnSpPr>
+        <p:spPr>
+          <a:xfrm flipH="1">
+            <a:off x="4327271" y="3925612"/>
+            <a:ext cx="1652743" cy="0"/>
+          </a:xfrm>
+          <a:prstGeom prst="straightConnector1">
+            <a:avLst/>
+          </a:prstGeom>
+          <a:ln w="25400">
+            <a:solidFill>
+              <a:schemeClr val="tx1"/>
+            </a:solidFill>
+            <a:tailEnd type="triangle"/>
+          </a:ln>
+        </p:spPr>
+        <p:style>
+          <a:lnRef idx="1">
+            <a:schemeClr val="accent1"/>
+          </a:lnRef>
+          <a:fillRef idx="0">
+            <a:schemeClr val="accent1"/>
+          </a:fillRef>
+          <a:effectRef idx="0">
+            <a:schemeClr val="accent1"/>
+          </a:effectRef>
+          <a:fontRef idx="minor">
+            <a:schemeClr val="tx1"/>
+          </a:fontRef>
+        </p:style>
+      </p:cxnSp>
+      <p:sp>
+        <p:nvSpPr>
+          <p:cNvPr id="55" name="文字方塊 54">
+            <a:extLst>
+              <a:ext uri="{FF2B5EF4-FFF2-40B4-BE49-F238E27FC236}">
+                <a16:creationId xmlns:a16="http://schemas.microsoft.com/office/drawing/2014/main" id="{4E2B3FA7-B394-42C5-2CB9-1881F16353E8}"/>
+              </a:ext>
+            </a:extLst>
+          </p:cNvPr>
+          <p:cNvSpPr txBox="1"/>
+          <p:nvPr/>
+        </p:nvSpPr>
+        <p:spPr>
+          <a:xfrm>
+            <a:off x="2976578" y="2703106"/>
+            <a:ext cx="1549416" cy="338554"/>
+          </a:xfrm>
+          <a:prstGeom prst="rect">
+            <a:avLst/>
+          </a:prstGeom>
+          <a:noFill/>
+        </p:spPr>
+        <p:txBody>
+          <a:bodyPr wrap="square" rtlCol="0">
+            <a:spAutoFit/>
+          </a:bodyPr>
+          <a:lstStyle/>
+          <a:p>
+            <a:r>
+              <a:rPr lang="en-US" altLang="zh-TW" sz="1600" b="1" dirty="0">
+                <a:solidFill>
+                  <a:srgbClr val="FF85FF"/>
+                </a:solidFill>
+                <a:latin typeface="Arial" panose="020B0604020202020204" pitchFamily="34" charset="0"/>
+                <a:cs typeface="Arial" panose="020B0604020202020204" pitchFamily="34" charset="0"/>
+              </a:rPr>
+              <a:t>AWS Services</a:t>
+            </a:r>
+            <a:endParaRPr lang="zh-TW" altLang="en-US" sz="1600" b="1" dirty="0">
+              <a:solidFill>
+                <a:srgbClr val="FF85FF"/>
+              </a:solidFill>
+              <a:latin typeface="Arial" panose="020B0604020202020204" pitchFamily="34" charset="0"/>
+              <a:cs typeface="Arial" panose="020B0604020202020204" pitchFamily="34" charset="0"/>
+            </a:endParaRPr>
+          </a:p>
+        </p:txBody>
+      </p:sp>
+      <p:sp>
+        <p:nvSpPr>
+          <p:cNvPr id="62" name="文字方塊 61">
+            <a:extLst>
+              <a:ext uri="{FF2B5EF4-FFF2-40B4-BE49-F238E27FC236}">
+                <a16:creationId xmlns:a16="http://schemas.microsoft.com/office/drawing/2014/main" id="{70E4AB26-E8F3-E4D1-E08C-40DC3F2D12B5}"/>
+              </a:ext>
+            </a:extLst>
+          </p:cNvPr>
+          <p:cNvSpPr txBox="1"/>
+          <p:nvPr/>
+        </p:nvSpPr>
+        <p:spPr>
+          <a:xfrm>
+            <a:off x="1361689" y="3423837"/>
+            <a:ext cx="1504237" cy="276999"/>
+          </a:xfrm>
+          <a:prstGeom prst="rect">
+            <a:avLst/>
+          </a:prstGeom>
+          <a:noFill/>
+        </p:spPr>
+        <p:txBody>
+          <a:bodyPr wrap="square" rtlCol="0">
+            <a:spAutoFit/>
+          </a:bodyPr>
+          <a:lstStyle/>
+          <a:p>
+            <a:r>
+              <a:rPr lang="en-US" altLang="zh-TW" sz="1200" b="1" dirty="0">
+                <a:solidFill>
+                  <a:srgbClr val="FF0000"/>
+                </a:solidFill>
+                <a:latin typeface="Arial" panose="020B0604020202020204" pitchFamily="34" charset="0"/>
+                <a:cs typeface="Arial" panose="020B0604020202020204" pitchFamily="34" charset="0"/>
+              </a:rPr>
+              <a:t>HTTPS Requests</a:t>
+            </a:r>
+            <a:endParaRPr lang="zh-TW" altLang="en-US" sz="1200" b="1" dirty="0">
+              <a:solidFill>
+                <a:srgbClr val="FF0000"/>
+              </a:solidFill>
+              <a:latin typeface="Arial" panose="020B0604020202020204" pitchFamily="34" charset="0"/>
+              <a:cs typeface="Arial" panose="020B0604020202020204" pitchFamily="34" charset="0"/>
+            </a:endParaRPr>
+          </a:p>
+        </p:txBody>
+      </p:sp>
+      <p:sp>
+        <p:nvSpPr>
+          <p:cNvPr id="67" name="文字方塊 66">
+            <a:extLst>
+              <a:ext uri="{FF2B5EF4-FFF2-40B4-BE49-F238E27FC236}">
+                <a16:creationId xmlns:a16="http://schemas.microsoft.com/office/drawing/2014/main" id="{43A18AA6-16BE-6F11-5791-753BF26ACD21}"/>
+              </a:ext>
+            </a:extLst>
+          </p:cNvPr>
+          <p:cNvSpPr txBox="1"/>
+          <p:nvPr/>
+        </p:nvSpPr>
+        <p:spPr>
+          <a:xfrm>
+            <a:off x="1321689" y="3942743"/>
+            <a:ext cx="1601618" cy="276999"/>
+          </a:xfrm>
+          <a:prstGeom prst="rect">
+            <a:avLst/>
+          </a:prstGeom>
+          <a:noFill/>
+        </p:spPr>
+        <p:txBody>
+          <a:bodyPr wrap="square" rtlCol="0">
+            <a:spAutoFit/>
+          </a:bodyPr>
+          <a:lstStyle/>
+          <a:p>
+            <a:r>
+              <a:rPr lang="en-US" altLang="zh-TW" sz="1200" b="1" dirty="0">
+                <a:solidFill>
+                  <a:srgbClr val="FF0000"/>
+                </a:solidFill>
+                <a:latin typeface="Arial" panose="020B0604020202020204" pitchFamily="34" charset="0"/>
+                <a:cs typeface="Arial" panose="020B0604020202020204" pitchFamily="34" charset="0"/>
+              </a:rPr>
+              <a:t>HTTPS Responses</a:t>
+            </a:r>
+            <a:endParaRPr lang="zh-TW" altLang="en-US" sz="1200" b="1" dirty="0">
+              <a:solidFill>
+                <a:srgbClr val="FF0000"/>
+              </a:solidFill>
+              <a:latin typeface="Arial" panose="020B0604020202020204" pitchFamily="34" charset="0"/>
+              <a:cs typeface="Arial" panose="020B0604020202020204" pitchFamily="34" charset="0"/>
+            </a:endParaRPr>
+          </a:p>
+        </p:txBody>
+      </p:sp>
+      <p:sp>
+        <p:nvSpPr>
+          <p:cNvPr id="69" name="文字方塊 68">
+            <a:extLst>
+              <a:ext uri="{FF2B5EF4-FFF2-40B4-BE49-F238E27FC236}">
+                <a16:creationId xmlns:a16="http://schemas.microsoft.com/office/drawing/2014/main" id="{902DF5B4-F428-902A-9283-E8BE05EE707E}"/>
+              </a:ext>
+            </a:extLst>
+          </p:cNvPr>
+          <p:cNvSpPr txBox="1"/>
+          <p:nvPr/>
+        </p:nvSpPr>
+        <p:spPr>
+          <a:xfrm>
+            <a:off x="4457434" y="3385423"/>
+            <a:ext cx="1504237" cy="276999"/>
+          </a:xfrm>
+          <a:prstGeom prst="rect">
+            <a:avLst/>
+          </a:prstGeom>
+          <a:noFill/>
+        </p:spPr>
+        <p:txBody>
+          <a:bodyPr wrap="square" rtlCol="0">
+            <a:spAutoFit/>
+          </a:bodyPr>
+          <a:lstStyle/>
+          <a:p>
+            <a:r>
+              <a:rPr lang="en-US" altLang="zh-TW" sz="1200" b="1" dirty="0">
+                <a:solidFill>
+                  <a:srgbClr val="FF0000"/>
+                </a:solidFill>
+                <a:latin typeface="Arial" panose="020B0604020202020204" pitchFamily="34" charset="0"/>
+                <a:cs typeface="Arial" panose="020B0604020202020204" pitchFamily="34" charset="0"/>
+              </a:rPr>
+              <a:t>HTTPS Requests</a:t>
+            </a:r>
+            <a:endParaRPr lang="zh-TW" altLang="en-US" sz="1200" b="1" dirty="0">
+              <a:solidFill>
+                <a:srgbClr val="FF0000"/>
+              </a:solidFill>
+              <a:latin typeface="Arial" panose="020B0604020202020204" pitchFamily="34" charset="0"/>
+              <a:cs typeface="Arial" panose="020B0604020202020204" pitchFamily="34" charset="0"/>
+            </a:endParaRPr>
+          </a:p>
+        </p:txBody>
+      </p:sp>
+      <p:sp>
+        <p:nvSpPr>
+          <p:cNvPr id="70" name="文字方塊 69">
+            <a:extLst>
+              <a:ext uri="{FF2B5EF4-FFF2-40B4-BE49-F238E27FC236}">
+                <a16:creationId xmlns:a16="http://schemas.microsoft.com/office/drawing/2014/main" id="{FC58ABFB-CEA4-BA98-6512-0291A612764E}"/>
+              </a:ext>
+            </a:extLst>
+          </p:cNvPr>
+          <p:cNvSpPr txBox="1"/>
+          <p:nvPr/>
+        </p:nvSpPr>
+        <p:spPr>
+          <a:xfrm>
+            <a:off x="4417434" y="3904329"/>
+            <a:ext cx="1601618" cy="276999"/>
+          </a:xfrm>
+          <a:prstGeom prst="rect">
+            <a:avLst/>
+          </a:prstGeom>
+          <a:noFill/>
+        </p:spPr>
+        <p:txBody>
+          <a:bodyPr wrap="square" rtlCol="0">
+            <a:spAutoFit/>
+          </a:bodyPr>
+          <a:lstStyle/>
+          <a:p>
+            <a:r>
+              <a:rPr lang="en-US" altLang="zh-TW" sz="1200" b="1" dirty="0">
+                <a:solidFill>
+                  <a:srgbClr val="FF0000"/>
+                </a:solidFill>
+                <a:latin typeface="Arial" panose="020B0604020202020204" pitchFamily="34" charset="0"/>
+                <a:cs typeface="Arial" panose="020B0604020202020204" pitchFamily="34" charset="0"/>
+              </a:rPr>
+              <a:t>HTTPS Responses</a:t>
+            </a:r>
+            <a:endParaRPr lang="zh-TW" altLang="en-US" sz="1200" b="1" dirty="0">
+              <a:solidFill>
+                <a:srgbClr val="FF0000"/>
+              </a:solidFill>
+              <a:latin typeface="Arial" panose="020B0604020202020204" pitchFamily="34" charset="0"/>
+              <a:cs typeface="Arial" panose="020B0604020202020204" pitchFamily="34" charset="0"/>
+            </a:endParaRPr>
+          </a:p>
+        </p:txBody>
+      </p:sp>
+      <p:sp>
+        <p:nvSpPr>
+          <p:cNvPr id="71" name="文字方塊 70">
+            <a:extLst>
+              <a:ext uri="{FF2B5EF4-FFF2-40B4-BE49-F238E27FC236}">
+                <a16:creationId xmlns:a16="http://schemas.microsoft.com/office/drawing/2014/main" id="{03B092C6-9E3F-A9A1-60D8-84A9C18E7EFF}"/>
+              </a:ext>
+            </a:extLst>
+          </p:cNvPr>
+          <p:cNvSpPr txBox="1"/>
+          <p:nvPr/>
+        </p:nvSpPr>
+        <p:spPr>
+          <a:xfrm>
+            <a:off x="7973646" y="3403394"/>
+            <a:ext cx="1504237" cy="276999"/>
+          </a:xfrm>
+          <a:prstGeom prst="rect">
+            <a:avLst/>
+          </a:prstGeom>
+          <a:noFill/>
+        </p:spPr>
+        <p:txBody>
+          <a:bodyPr wrap="square" rtlCol="0">
+            <a:spAutoFit/>
+          </a:bodyPr>
+          <a:lstStyle/>
+          <a:p>
+            <a:r>
+              <a:rPr lang="en-US" altLang="zh-TW" sz="1200" b="1" dirty="0">
+                <a:solidFill>
+                  <a:srgbClr val="FF0000"/>
+                </a:solidFill>
+                <a:latin typeface="Arial" panose="020B0604020202020204" pitchFamily="34" charset="0"/>
+                <a:cs typeface="Arial" panose="020B0604020202020204" pitchFamily="34" charset="0"/>
+              </a:rPr>
+              <a:t>HTTPS Requests</a:t>
+            </a:r>
+            <a:endParaRPr lang="zh-TW" altLang="en-US" sz="1200" b="1" dirty="0">
+              <a:solidFill>
+                <a:srgbClr val="FF0000"/>
+              </a:solidFill>
+              <a:latin typeface="Arial" panose="020B0604020202020204" pitchFamily="34" charset="0"/>
+              <a:cs typeface="Arial" panose="020B0604020202020204" pitchFamily="34" charset="0"/>
+            </a:endParaRPr>
+          </a:p>
+        </p:txBody>
+      </p:sp>
+      <p:sp>
+        <p:nvSpPr>
+          <p:cNvPr id="72" name="文字方塊 71">
+            <a:extLst>
+              <a:ext uri="{FF2B5EF4-FFF2-40B4-BE49-F238E27FC236}">
+                <a16:creationId xmlns:a16="http://schemas.microsoft.com/office/drawing/2014/main" id="{92914055-DCFE-2D70-0633-20D41BB99C48}"/>
+              </a:ext>
+            </a:extLst>
+          </p:cNvPr>
+          <p:cNvSpPr txBox="1"/>
+          <p:nvPr/>
+        </p:nvSpPr>
+        <p:spPr>
+          <a:xfrm>
+            <a:off x="7933646" y="3922300"/>
+            <a:ext cx="1601618" cy="276999"/>
+          </a:xfrm>
+          <a:prstGeom prst="rect">
+            <a:avLst/>
+          </a:prstGeom>
+          <a:noFill/>
+        </p:spPr>
+        <p:txBody>
+          <a:bodyPr wrap="square" rtlCol="0">
+            <a:spAutoFit/>
+          </a:bodyPr>
+          <a:lstStyle/>
+          <a:p>
+            <a:r>
+              <a:rPr lang="en-US" altLang="zh-TW" sz="1200" b="1" dirty="0">
+                <a:solidFill>
+                  <a:srgbClr val="FF0000"/>
+                </a:solidFill>
+                <a:latin typeface="Arial" panose="020B0604020202020204" pitchFamily="34" charset="0"/>
+                <a:cs typeface="Arial" panose="020B0604020202020204" pitchFamily="34" charset="0"/>
+              </a:rPr>
+              <a:t>HTTPS Responses</a:t>
+            </a:r>
+            <a:endParaRPr lang="zh-TW" altLang="en-US" sz="1200" b="1" dirty="0">
+              <a:solidFill>
+                <a:srgbClr val="FF0000"/>
+              </a:solidFill>
+              <a:latin typeface="Arial" panose="020B0604020202020204" pitchFamily="34" charset="0"/>
+              <a:cs typeface="Arial" panose="020B0604020202020204" pitchFamily="34" charset="0"/>
+            </a:endParaRPr>
+          </a:p>
+        </p:txBody>
+      </p:sp>
+    </p:spTree>
+    <p:extLst>
+      <p:ext uri="{BB962C8B-B14F-4D97-AF65-F5344CB8AC3E}">
+        <p14:creationId xmlns:p14="http://schemas.microsoft.com/office/powerpoint/2010/main" val="856868483"/>
+      </p:ext>
+    </p:extLst>
+  </p:cSld>
+  <p:clrMapOvr>
+    <a:masterClrMapping/>
+  </p:clrMapOvr>
+</p:sld>
+</file>
+
 <file path=ppt/theme/theme1.xml><?xml version="1.0" encoding="utf-8"?>
 <a:theme xmlns:a="http://schemas.openxmlformats.org/drawingml/2006/main" name="Office 佈景主題">
   <a:themeElements>
